--- a/EnergyScheduler.pptx
+++ b/EnergyScheduler.pptx
@@ -13823,7 +13823,7 @@
             </a:r>
             <a:r>
               <a:rPr lang="en-GB" sz="900" dirty="0">
-                <a:hlinkClick r:id=""/>
+                <a:hlinkClick r:id="" action="ppaction://noaction"/>
               </a:rPr>
               <a:t>[1]</a:t>
             </a:r>
@@ -13833,7 +13833,7 @@
             </a:r>
             <a:r>
               <a:rPr lang="en-GB" sz="900" dirty="0">
-                <a:hlinkClick r:id=""/>
+                <a:hlinkClick r:id="" action="ppaction://noaction"/>
               </a:rPr>
               <a:t>[2]</a:t>
             </a:r>
@@ -13843,7 +13843,7 @@
             </a:r>
             <a:r>
               <a:rPr lang="en-GB" sz="900" dirty="0">
-                <a:hlinkClick r:id=""/>
+                <a:hlinkClick r:id="" action="ppaction://noaction"/>
               </a:rPr>
               <a:t>[3]</a:t>
             </a:r>
@@ -13860,7 +13860,7 @@
             </a:r>
             <a:r>
               <a:rPr lang="en-GB" sz="900" dirty="0">
-                <a:hlinkClick r:id=""/>
+                <a:hlinkClick r:id="" action="ppaction://noaction"/>
               </a:rPr>
               <a:t>[4]</a:t>
             </a:r>
@@ -14839,7 +14839,15 @@
             <a:pPr rtl="0"/>
             <a:r>
               <a:rPr lang="en-GB" sz="1400" dirty="0"/>
-              <a:t>To create my application, I will be using the Carbon Intensity API developed by the UK National Grid. This provides the carbon intensity of the electricity system in real time, so scheduling processes to run during a time when this is low, will help the SME improve their carbon footprint as it means more of the energy used is green energy.</a:t>
+              <a:t>To create my application, I will be using the Carbon Intensity API developed by the UK National Grid. This provides the carbon intensity of the electricity system in real time, so scheduling processes to run during a time when this is low, will help the SME improve their carbon footprint as it means more of the energy used to compute these </a:t>
+            </a:r>
+            <a:r>
+              <a:rPr lang="en-GB" sz="1400"/>
+              <a:t>resource intensive tasks </a:t>
+            </a:r>
+            <a:r>
+              <a:rPr lang="en-GB" sz="1400" dirty="0"/>
+              <a:t>is green energy.</a:t>
             </a:r>
           </a:p>
           <a:p>
@@ -14865,7 +14873,7 @@
             <a:pPr rtl="0"/>
             <a:r>
               <a:rPr lang="en-GB" sz="1400" dirty="0"/>
-              <a:t>Like the final application would be, the MVP code allows the creation of a server and tasks, represented in the code by a Server and Task classes respectively. </a:t>
+              <a:t>Like the final application would be, the MVP code allows the creation of a server and tasks, represented in the code by a Server and Task classes respectively.  However, as SSH functionality isn’t implemented yet, the execution of each task is represented by a new thread in the current machine instead of a separate machine.</a:t>
             </a:r>
           </a:p>
           <a:p>

--- a/EnergyScheduler.pptx
+++ b/EnergyScheduler.pptx
@@ -13765,7 +13765,7 @@
         </p:nvSpPr>
         <p:spPr>
           <a:xfrm>
-            <a:off x="550862" y="549275"/>
+            <a:off x="550862" y="423151"/>
             <a:ext cx="11156876" cy="1332000"/>
           </a:xfrm>
         </p:spPr>
@@ -13801,7 +13801,7 @@
         </p:nvSpPr>
         <p:spPr>
           <a:xfrm>
-            <a:off x="550862" y="1341690"/>
+            <a:off x="550862" y="1032395"/>
             <a:ext cx="9795641" cy="4601235"/>
           </a:xfrm>
         </p:spPr>
@@ -13812,7 +13812,17 @@
             <a:pPr rtl="0"/>
             <a:r>
               <a:rPr lang="en-GB" sz="1400" dirty="0"/>
-              <a:t>Considering I am aiming for a career in the tech industry, I have selected a tech start-up to focus on in helping to reduce carbon emissions. I believe my project could have the greatest impact here since this is the industry I would like to go into and have familiarity with through my own personal experience of working in this industry.  Therefore, I understand the needs and issues of these SMEs more as well as the barriers for reducing climate emissions</a:t>
+              <a:t>Considering I am aiming for a career in the tech industry, I have selected a tech start-up to focus on in helping to reduce carbon emissions.  According to the provided information </a:t>
+            </a:r>
+            <a:r>
+              <a:rPr lang="en-GB" sz="900" dirty="0">
+                <a:hlinkClick r:id="" action="ppaction://noaction"/>
+              </a:rPr>
+              <a:t>[6]</a:t>
+            </a:r>
+            <a:r>
+              <a:rPr lang="en-GB" sz="1400" dirty="0"/>
+              <a:t>, the top barriers to action are insufficient budget (39%), difficult to reduce emissions outside own operations (36%), and the difficulty of measuring environmental impact (30%). Since my application is free and open source and doesn’t require a lot of upkeep, it is relatively cheap to use to help tech SMEs with their Scope 2 emissions, which helps to mitigate the budget constraints of SMEs.</a:t>
             </a:r>
           </a:p>
           <a:p>
@@ -13866,14 +13876,14 @@
             </a:r>
             <a:r>
               <a:rPr lang="en-GB" sz="1400" dirty="0"/>
-              <a:t>. Tech SMEs may be required to store large amounts of information on users for example and will require data centres to store this. These data centres can use large amount of electricity, and sometimes may have operations such as machine learning algorithms being executed which can be very resource intensive on the CPUs and GPUs and thus lead to increased power usage. </a:t>
+              <a:t>. Tech SMEs may be required to store large amounts of information on users for example and will require data centres to store this. These data centres can use large amount of electricity, and sometimes may have operations such as machine learning algorithms being executed which can be very resource intensive on the CPUs and GPUs and thus lead to increased power usage. Therefore, I am attempting to help tech startups with their Scope 2 emissions.</a:t>
             </a:r>
           </a:p>
           <a:p>
             <a:pPr rtl="0"/>
             <a:r>
               <a:rPr lang="en-GB" sz="1400" dirty="0"/>
-              <a:t>Lots of tech startups and tech SMEs often use cloud servers, however this doesn’t mean that they can’t optimise their workloads deployed to these cloud servers to perform heavier operations during “greener hours”</a:t>
+              <a:t>Lots of tech startups and tech SMEs often use cloud servers, however this doesn’t mean that they can’t optimise their workloads deployed to these cloud servers to perform heavier operations during “greener hours” thus mitigating the difficulty of reducing emissions outside their own operations</a:t>
             </a:r>
           </a:p>
           <a:p>
@@ -16425,7 +16435,15 @@
             <a:pPr rtl="0"/>
             <a:r>
               <a:rPr lang="en-GB" sz="1400" dirty="0"/>
-              <a:t>This application would be able to attract investment, especially by organisations focused on climate action as well as technology companies aiming to make a difference, and government funding could be possible if believed this could be vital in assisting with the 2050 Net Zero Strategy.</a:t>
+              <a:t>This application would be able to attract investment, especially by organisations focused on climate action as well as technology companies aiming to make a difference, and government funding could be possible if believed this could be vital in assisting with the 2050 Net Zero Strategy </a:t>
+            </a:r>
+            <a:r>
+              <a:rPr lang="en-GB" sz="900" dirty="0"/>
+              <a:t>[5][6]</a:t>
+            </a:r>
+            <a:r>
+              <a:rPr lang="en-GB" sz="1400" dirty="0"/>
+              <a:t>.</a:t>
             </a:r>
           </a:p>
           <a:p>
@@ -17189,6 +17207,34 @@
                 <a:hlinkClick r:id="rId6"/>
               </a:rPr>
               <a:t>https://www.statista.com/statistics/1255404/global-ict-products-relative-carbon-footprint-forecast-by-products/</a:t>
+            </a:r>
+            <a:endParaRPr lang="en-GB" sz="1400" dirty="0"/>
+          </a:p>
+          <a:p>
+            <a:pPr rtl="0"/>
+            <a:r>
+              <a:rPr lang="en-GB" sz="1400" dirty="0"/>
+              <a:t>[5] </a:t>
+            </a:r>
+            <a:r>
+              <a:rPr lang="en-GB" sz="1400" dirty="0">
+                <a:hlinkClick r:id="rId7"/>
+              </a:rPr>
+              <a:t>https://www.lloydsbankinggroup.com/media/press-releases/2021/lloyds-bank/sustainability-is-important-to-smes.html</a:t>
+            </a:r>
+            <a:endParaRPr lang="en-GB" sz="1400" dirty="0"/>
+          </a:p>
+          <a:p>
+            <a:pPr rtl="0"/>
+            <a:r>
+              <a:rPr lang="en-GB" sz="1400" dirty="0"/>
+              <a:t>[6] </a:t>
+            </a:r>
+            <a:r>
+              <a:rPr lang="en-GB" sz="1400" dirty="0">
+                <a:hlinkClick r:id="rId8"/>
+              </a:rPr>
+              <a:t>https://www.lloydsbank.com/assets/assets-business-banking/pdfs/from_now_to_net_zero.pdf</a:t>
             </a:r>
             <a:endParaRPr lang="en-GB" sz="1400" dirty="0"/>
           </a:p>
@@ -18578,17 +18624,17 @@
 <file path=customXml/itemProps1.xml><?xml version="1.0" encoding="utf-8"?>
 <ds:datastoreItem xmlns:ds="http://schemas.openxmlformats.org/officeDocument/2006/customXml" ds:itemID="{50811A92-D464-4AC4-A396-BA73B10CEEAC}">
   <ds:schemaRefs>
+    <ds:schemaRef ds:uri="http://schemas.microsoft.com/office/2006/documentManagement/types"/>
     <ds:schemaRef ds:uri="http://schemas.microsoft.com/office/2006/metadata/properties"/>
-    <ds:schemaRef ds:uri="http://schemas.microsoft.com/office/infopath/2007/PartnerControls"/>
-    <ds:schemaRef ds:uri="http://www.w3.org/XML/1998/namespace"/>
+    <ds:schemaRef ds:uri="http://schemas.microsoft.com/sharepoint/v3"/>
     <ds:schemaRef ds:uri="http://purl.org/dc/elements/1.1/"/>
     <ds:schemaRef ds:uri="http://purl.org/dc/terms/"/>
+    <ds:schemaRef ds:uri="http://schemas.microsoft.com/office/infopath/2007/PartnerControls"/>
+    <ds:schemaRef ds:uri="71af3243-3dd4-4a8d-8c0d-dd76da1f02a5"/>
     <ds:schemaRef ds:uri="http://schemas.openxmlformats.org/package/2006/metadata/core-properties"/>
-    <ds:schemaRef ds:uri="71af3243-3dd4-4a8d-8c0d-dd76da1f02a5"/>
-    <ds:schemaRef ds:uri="http://schemas.microsoft.com/office/2006/documentManagement/types"/>
     <ds:schemaRef ds:uri="230e9df3-be65-4c73-a93b-d1236ebd677e"/>
     <ds:schemaRef ds:uri="16c05727-aa75-4e4a-9b5f-8a80a1165891"/>
-    <ds:schemaRef ds:uri="http://schemas.microsoft.com/sharepoint/v3"/>
+    <ds:schemaRef ds:uri="http://www.w3.org/XML/1998/namespace"/>
     <ds:schemaRef ds:uri="http://purl.org/dc/dcmitype/"/>
   </ds:schemaRefs>
 </ds:datastoreItem>
